--- a/博士/毕业论文/ucasthesis/Img/IGCF/instmask1.pptx
+++ b/博士/毕业论文/ucasthesis/Img/IGCF/instmask1.pptx
@@ -4081,22 +4081,20 @@
                 <a:solidFill>
                   <a:srgbClr val="7D7D7D"/>
                 </a:solidFill>
+                <a:latin typeface="宋体" panose="02010600030101010101" pitchFamily="2" charset="-122"/>
+                <a:ea typeface="宋体" panose="02010600030101010101" pitchFamily="2" charset="-122"/>
+                <a:cs typeface="宋体" panose="02010600030101010101" pitchFamily="2" charset="-122"/>
               </a:rPr>
-              <a:t>自</a:t>
-            </a:r>
-            <a:r>
-              <a:rPr lang="zh-CN" altLang="en-US" b="1" dirty="0">
-                <a:solidFill>
-                  <a:srgbClr val="7D7D7D"/>
-                </a:solidFill>
-              </a:rPr>
-              <a:t>纠正</a:t>
+              <a:t>自纠正</a:t>
             </a:r>
             <a:br>
               <a:rPr lang="zh-CN" altLang="en-US" b="1" dirty="0">
                 <a:solidFill>
                   <a:srgbClr val="7D7D7D"/>
                 </a:solidFill>
+                <a:latin typeface="宋体" panose="02010600030101010101" pitchFamily="2" charset="-122"/>
+                <a:ea typeface="宋体" panose="02010600030101010101" pitchFamily="2" charset="-122"/>
+                <a:cs typeface="宋体" panose="02010600030101010101" pitchFamily="2" charset="-122"/>
               </a:rPr>
             </a:br>
             <a:r>
@@ -4104,6 +4102,9 @@
                 <a:solidFill>
                   <a:srgbClr val="7D7D7D"/>
                 </a:solidFill>
+                <a:latin typeface="宋体" panose="02010600030101010101" pitchFamily="2" charset="-122"/>
+                <a:ea typeface="宋体" panose="02010600030101010101" pitchFamily="2" charset="-122"/>
+                <a:cs typeface="宋体" panose="02010600030101010101" pitchFamily="2" charset="-122"/>
               </a:rPr>
               <a:t>机制</a:t>
             </a:r>
@@ -4111,6 +4112,9 @@
               <a:solidFill>
                 <a:srgbClr val="7D7D7D"/>
               </a:solidFill>
+              <a:latin typeface="宋体" panose="02010600030101010101" pitchFamily="2" charset="-122"/>
+              <a:ea typeface="宋体" panose="02010600030101010101" pitchFamily="2" charset="-122"/>
+              <a:cs typeface="宋体" panose="02010600030101010101" pitchFamily="2" charset="-122"/>
             </a:endParaRPr>
           </a:p>
         </p:txBody>
@@ -6126,7 +6130,7 @@
         <p:spPr>
           <a:xfrm>
             <a:off x="65423" y="2970531"/>
-            <a:ext cx="586740" cy="335280"/>
+            <a:ext cx="589280" cy="335280"/>
           </a:xfrm>
           <a:prstGeom prst="rect">
             <a:avLst/>
@@ -6144,6 +6148,8 @@
                 <a:solidFill>
                   <a:srgbClr val="7D7D7D"/>
                 </a:solidFill>
+                <a:latin typeface="宋体" panose="02010600030101010101" pitchFamily="2" charset="-122"/>
+                <a:ea typeface="宋体" panose="02010600030101010101" pitchFamily="2" charset="-122"/>
               </a:rPr>
               <a:t>输入</a:t>
             </a:r>
@@ -6151,6 +6157,8 @@
               <a:solidFill>
                 <a:srgbClr val="7D7D7D"/>
               </a:solidFill>
+              <a:latin typeface="宋体" panose="02010600030101010101" pitchFamily="2" charset="-122"/>
+              <a:ea typeface="宋体" panose="02010600030101010101" pitchFamily="2" charset="-122"/>
             </a:endParaRPr>
           </a:p>
         </p:txBody>
@@ -6164,7 +6172,7 @@
         <p:spPr>
           <a:xfrm>
             <a:off x="7249694" y="2970331"/>
-            <a:ext cx="586740" cy="335280"/>
+            <a:ext cx="589280" cy="335280"/>
           </a:xfrm>
           <a:prstGeom prst="rect">
             <a:avLst/>
@@ -6189,10 +6197,16 @@
           </a:lstStyle>
           <a:p>
             <a:r>
-              <a:rPr lang="zh-CN" altLang="en-US" dirty="0"/>
+              <a:rPr lang="zh-CN" altLang="en-US" dirty="0">
+                <a:latin typeface="宋体" panose="02010600030101010101" pitchFamily="2" charset="-122"/>
+                <a:ea typeface="宋体" panose="02010600030101010101" pitchFamily="2" charset="-122"/>
+              </a:rPr>
               <a:t>输出</a:t>
             </a:r>
-            <a:endParaRPr lang="zh-CN" altLang="en-US" dirty="0"/>
+            <a:endParaRPr lang="zh-CN" altLang="en-US" dirty="0">
+              <a:latin typeface="宋体" panose="02010600030101010101" pitchFamily="2" charset="-122"/>
+              <a:ea typeface="宋体" panose="02010600030101010101" pitchFamily="2" charset="-122"/>
+            </a:endParaRPr>
           </a:p>
         </p:txBody>
       </p:sp>
